--- a/Cosc472/Project-03/Network Switching Security.pptx
+++ b/Cosc472/Project-03/Network Switching Security.pptx
@@ -122,6 +122,11 @@
       </a:defRPr>
     </a:lvl9pPr>
   </p:defaultTextStyle>
+  <p:extLst>
+    <p:ext uri="{EFAFB233-063F-42B5-8137-9DF3F51BA10A}">
+      <p15:sldGuideLst xmlns:p15="http://schemas.microsoft.com/office/powerpoint/2012/main"/>
+    </p:ext>
+  </p:extLst>
 </p:presentation>
 </file>
 
@@ -4209,7 +4214,43 @@
           <a:bodyPr/>
           <a:lstStyle/>
           <a:p>
-            <a:endParaRPr lang="en-US"/>
+            <a:r>
+              <a:rPr lang="en-US" sz="1600" dirty="0">
+                <a:hlinkClick r:id="rId2"/>
+              </a:rPr>
+              <a:t>https://www.cisco.com/c/dam/en_us/training-events/le31/le46/cln/promo/share_the_wealth_contest/finalists/Hany_EL_Mokadem_Switch_Attacks_and_Countermeasures.pdf</a:t>
+            </a:r>
+            <a:endParaRPr lang="en-US" sz="1600" dirty="0"/>
+          </a:p>
+          <a:p>
+            <a:r>
+              <a:rPr lang="en-US" sz="1600" dirty="0">
+                <a:hlinkClick r:id="rId3"/>
+              </a:rPr>
+              <a:t>https://digitalfortresslk.wordpress.com/2018/03/22/common-attack-types-on-switches/</a:t>
+            </a:r>
+            <a:endParaRPr lang="en-US" sz="1600" dirty="0"/>
+          </a:p>
+          <a:p>
+            <a:r>
+              <a:rPr lang="en-US" sz="1600" dirty="0">
+                <a:hlinkClick r:id="rId4"/>
+              </a:rPr>
+              <a:t>https://www.cloudflare.com/learning/network-layer/what-is-a-network-switch/</a:t>
+            </a:r>
+            <a:endParaRPr lang="en-US" sz="1600" dirty="0"/>
+          </a:p>
+          <a:p>
+            <a:r>
+              <a:rPr lang="en-US" sz="1600" dirty="0">
+                <a:hlinkClick r:id="rId5"/>
+              </a:rPr>
+              <a:t>https://www.cisco.com/c/en/us/solutions/small-business/resource-center/networking/network-switch-how.html</a:t>
+            </a:r>
+            <a:endParaRPr lang="en-US" sz="1600" dirty="0"/>
+          </a:p>
+          <a:p>
+            <a:endParaRPr lang="en-US" dirty="0"/>
           </a:p>
         </p:txBody>
       </p:sp>

--- a/Cosc472/Project-03/Network Switching Security.pptx
+++ b/Cosc472/Project-03/Network Switching Security.pptx
@@ -7,8 +7,8 @@
   <p:sldIdLst>
     <p:sldId id="256" r:id="rId2"/>
     <p:sldId id="257" r:id="rId3"/>
-    <p:sldId id="258" r:id="rId4"/>
-    <p:sldId id="259" r:id="rId5"/>
+    <p:sldId id="259" r:id="rId4"/>
+    <p:sldId id="258" r:id="rId5"/>
     <p:sldId id="260" r:id="rId6"/>
     <p:sldId id="261" r:id="rId7"/>
     <p:sldId id="262" r:id="rId8"/>
@@ -3479,10 +3479,75 @@
           <a:bodyPr/>
           <a:lstStyle/>
           <a:p>
-            <a:endParaRPr lang="en-US"/>
-          </a:p>
-        </p:txBody>
-      </p:sp>
+            <a:r>
+              <a:rPr lang="en-US" dirty="0"/>
+              <a:t>The attacker floods the Content Addressable Memory(CAM) table with MAC addresses more than the switch can store.</a:t>
+            </a:r>
+          </a:p>
+          <a:p>
+            <a:r>
+              <a:rPr lang="en-US" dirty="0"/>
+              <a:t>This leads to the switch to begin operating as a hub.</a:t>
+            </a:r>
+          </a:p>
+          <a:p>
+            <a:r>
+              <a:rPr lang="en-US" dirty="0"/>
+              <a:t>This gives the attacker the opportunity to sniff all traffic on the segment.</a:t>
+            </a:r>
+          </a:p>
+          <a:p>
+            <a:endParaRPr lang="en-US" dirty="0"/>
+          </a:p>
+        </p:txBody>
+      </p:sp>
+      <p:pic>
+        <p:nvPicPr>
+          <p:cNvPr id="1026" name="Picture 2" descr="CCNP 3 Minimizing Service Loss and Data Theft in a Campus Network -  Teknologisk videncenter">
+            <a:extLst>
+              <a:ext uri="{FF2B5EF4-FFF2-40B4-BE49-F238E27FC236}">
+                <a16:creationId xmlns:a16="http://schemas.microsoft.com/office/drawing/2014/main" id="{3A4BB65D-2358-438B-995C-BDE5F69E7971}"/>
+              </a:ext>
+            </a:extLst>
+          </p:cNvPr>
+          <p:cNvPicPr>
+            <a:picLocks noChangeAspect="1" noChangeArrowheads="1"/>
+          </p:cNvPicPr>
+          <p:nvPr/>
+        </p:nvPicPr>
+        <p:blipFill>
+          <a:blip r:embed="rId2">
+            <a:extLst>
+              <a:ext uri="{28A0092B-C50C-407E-A947-70E740481C1C}">
+                <a14:useLocalDpi xmlns:a14="http://schemas.microsoft.com/office/drawing/2010/main" val="0"/>
+              </a:ext>
+            </a:extLst>
+          </a:blip>
+          <a:srcRect/>
+          <a:stretch>
+            <a:fillRect/>
+          </a:stretch>
+        </p:blipFill>
+        <p:spPr bwMode="auto">
+          <a:xfrm>
+            <a:off x="3935186" y="3745324"/>
+            <a:ext cx="5110844" cy="2979326"/>
+          </a:xfrm>
+          <a:prstGeom prst="rect">
+            <a:avLst/>
+          </a:prstGeom>
+          <a:noFill/>
+          <a:extLst>
+            <a:ext uri="{909E8E84-426E-40DD-AFC4-6F175D3DCCD1}">
+              <a14:hiddenFill xmlns:a14="http://schemas.microsoft.com/office/drawing/2010/main">
+                <a:solidFill>
+                  <a:srgbClr val="FFFFFF"/>
+                </a:solidFill>
+              </a14:hiddenFill>
+            </a:ext>
+          </a:extLst>
+        </p:spPr>
+      </p:pic>
     </p:spTree>
     <p:extLst>
       <p:ext uri="{BB962C8B-B14F-4D97-AF65-F5344CB8AC3E}">
@@ -3534,7 +3599,10 @@
           <a:bodyPr/>
           <a:lstStyle/>
           <a:p>
-            <a:endParaRPr lang="en-US"/>
+            <a:r>
+              <a:rPr lang="en-US" dirty="0"/>
+              <a:t>MAC Flooding Prevention</a:t>
+            </a:r>
           </a:p>
         </p:txBody>
       </p:sp>
@@ -3559,7 +3627,30 @@
           <a:bodyPr/>
           <a:lstStyle/>
           <a:p>
-            <a:endParaRPr lang="en-US"/>
+            <a:r>
+              <a:rPr lang="en-US" dirty="0"/>
+              <a:t> Method One: Configure network switch port security.</a:t>
+            </a:r>
+          </a:p>
+          <a:p>
+            <a:pPr lvl="1"/>
+            <a:r>
+              <a:rPr lang="en-US" dirty="0"/>
+              <a:t>This involves limiting the number of MACs allowed through the port and can also specify what are the allowed MACs.</a:t>
+            </a:r>
+          </a:p>
+          <a:p>
+            <a:r>
+              <a:rPr lang="en-US" dirty="0"/>
+              <a:t>Method Two: Port Based Authentication.</a:t>
+            </a:r>
+          </a:p>
+          <a:p>
+            <a:pPr lvl="1"/>
+            <a:r>
+              <a:rPr lang="en-US" dirty="0"/>
+              <a:t>Requires  PC to be authenticated before joining the LAN. This can be combined with port security to allow only authenticated PCs with a specific MAC to join the LAN.</a:t>
+            </a:r>
           </a:p>
         </p:txBody>
       </p:sp>
@@ -3779,7 +3870,7 @@
           <a:p>
             <a:r>
               <a:rPr lang="en-US" dirty="0"/>
-              <a:t>Server Spoofing</a:t>
+              <a:t>DHCP Server Snooping</a:t>
             </a:r>
           </a:p>
         </p:txBody>
@@ -3805,10 +3896,72 @@
           <a:bodyPr/>
           <a:lstStyle/>
           <a:p>
-            <a:endParaRPr lang="en-US"/>
-          </a:p>
-        </p:txBody>
-      </p:sp>
+            <a:r>
+              <a:rPr lang="en-US" dirty="0"/>
+              <a:t>With DHCP snooping the attacker sniffs the network and listens for DHCP requests and answers them.</a:t>
+            </a:r>
+          </a:p>
+          <a:p>
+            <a:r>
+              <a:rPr lang="en-US" dirty="0"/>
+              <a:t>They answer the requests by giving its IP address as the default gateway to the client.</a:t>
+            </a:r>
+          </a:p>
+          <a:p>
+            <a:r>
+              <a:rPr lang="en-US" dirty="0"/>
+              <a:t>This makes the attacker a man in the middle. </a:t>
+            </a:r>
+          </a:p>
+        </p:txBody>
+      </p:sp>
+      <p:pic>
+        <p:nvPicPr>
+          <p:cNvPr id="2050" name="Picture 2" descr="DHCP Spoofing - Latest Hacking News">
+            <a:extLst>
+              <a:ext uri="{FF2B5EF4-FFF2-40B4-BE49-F238E27FC236}">
+                <a16:creationId xmlns:a16="http://schemas.microsoft.com/office/drawing/2014/main" id="{A9E08BE9-50FE-4BE6-B2F3-EDBE05BB6D8F}"/>
+              </a:ext>
+            </a:extLst>
+          </p:cNvPr>
+          <p:cNvPicPr>
+            <a:picLocks noChangeAspect="1" noChangeArrowheads="1"/>
+          </p:cNvPicPr>
+          <p:nvPr/>
+        </p:nvPicPr>
+        <p:blipFill>
+          <a:blip r:embed="rId2">
+            <a:extLst>
+              <a:ext uri="{28A0092B-C50C-407E-A947-70E740481C1C}">
+                <a14:useLocalDpi xmlns:a14="http://schemas.microsoft.com/office/drawing/2010/main" val="0"/>
+              </a:ext>
+            </a:extLst>
+          </a:blip>
+          <a:srcRect/>
+          <a:stretch>
+            <a:fillRect/>
+          </a:stretch>
+        </p:blipFill>
+        <p:spPr bwMode="auto">
+          <a:xfrm>
+            <a:off x="1910443" y="4000500"/>
+            <a:ext cx="6452507" cy="2857500"/>
+          </a:xfrm>
+          <a:prstGeom prst="rect">
+            <a:avLst/>
+          </a:prstGeom>
+          <a:noFill/>
+          <a:extLst>
+            <a:ext uri="{909E8E84-426E-40DD-AFC4-6F175D3DCCD1}">
+              <a14:hiddenFill xmlns:a14="http://schemas.microsoft.com/office/drawing/2010/main">
+                <a:solidFill>
+                  <a:srgbClr val="FFFFFF"/>
+                </a:solidFill>
+              </a14:hiddenFill>
+            </a:ext>
+          </a:extLst>
+        </p:spPr>
+      </p:pic>
     </p:spTree>
     <p:extLst>
       <p:ext uri="{BB962C8B-B14F-4D97-AF65-F5344CB8AC3E}">
@@ -3860,7 +4013,10 @@
           <a:bodyPr/>
           <a:lstStyle/>
           <a:p>
-            <a:endParaRPr lang="en-US"/>
+            <a:r>
+              <a:rPr lang="en-US" dirty="0"/>
+              <a:t>DHCP Snooping Prevention</a:t>
+            </a:r>
           </a:p>
         </p:txBody>
       </p:sp>
@@ -3885,10 +4041,74 @@
           <a:bodyPr/>
           <a:lstStyle/>
           <a:p>
-            <a:endParaRPr lang="en-US"/>
-          </a:p>
-        </p:txBody>
-      </p:sp>
+            <a:r>
+              <a:rPr lang="en-US" dirty="0"/>
+              <a:t>Configure DHCP snooping</a:t>
+            </a:r>
+          </a:p>
+          <a:p>
+            <a:pPr lvl="1"/>
+            <a:r>
+              <a:rPr lang="en-US" dirty="0"/>
+              <a:t>Trust a specified port for all DHCP replies.</a:t>
+            </a:r>
+          </a:p>
+          <a:p>
+            <a:pPr lvl="1"/>
+            <a:r>
+              <a:rPr lang="en-US" dirty="0"/>
+              <a:t>If DHCP reply message was received on any port other than the trusted one the new port will shut down.</a:t>
+            </a:r>
+          </a:p>
+        </p:txBody>
+      </p:sp>
+      <p:pic>
+        <p:nvPicPr>
+          <p:cNvPr id="3074" name="Picture 2" descr="Understanding DHCP Snooping and Basic Configurations : Cisco, Juniper and  Huawei - Route XP Private Network Services">
+            <a:extLst>
+              <a:ext uri="{FF2B5EF4-FFF2-40B4-BE49-F238E27FC236}">
+                <a16:creationId xmlns:a16="http://schemas.microsoft.com/office/drawing/2014/main" id="{ADD93AA3-FF99-456A-9C2C-37B2D15C2E7E}"/>
+              </a:ext>
+            </a:extLst>
+          </p:cNvPr>
+          <p:cNvPicPr>
+            <a:picLocks noChangeAspect="1" noChangeArrowheads="1"/>
+          </p:cNvPicPr>
+          <p:nvPr/>
+        </p:nvPicPr>
+        <p:blipFill>
+          <a:blip r:embed="rId2">
+            <a:extLst>
+              <a:ext uri="{28A0092B-C50C-407E-A947-70E740481C1C}">
+                <a14:useLocalDpi xmlns:a14="http://schemas.microsoft.com/office/drawing/2010/main" val="0"/>
+              </a:ext>
+            </a:extLst>
+          </a:blip>
+          <a:srcRect/>
+          <a:stretch>
+            <a:fillRect/>
+          </a:stretch>
+        </p:blipFill>
+        <p:spPr bwMode="auto">
+          <a:xfrm>
+            <a:off x="5905443" y="3184070"/>
+            <a:ext cx="2846445" cy="3673929"/>
+          </a:xfrm>
+          <a:prstGeom prst="rect">
+            <a:avLst/>
+          </a:prstGeom>
+          <a:noFill/>
+          <a:extLst>
+            <a:ext uri="{909E8E84-426E-40DD-AFC4-6F175D3DCCD1}">
+              <a14:hiddenFill xmlns:a14="http://schemas.microsoft.com/office/drawing/2010/main">
+                <a:solidFill>
+                  <a:srgbClr val="FFFFFF"/>
+                </a:solidFill>
+              </a14:hiddenFill>
+            </a:ext>
+          </a:extLst>
+        </p:spPr>
+      </p:pic>
     </p:spTree>
     <p:extLst>
       <p:ext uri="{BB962C8B-B14F-4D97-AF65-F5344CB8AC3E}">
@@ -4131,7 +4351,22 @@
           <a:bodyPr/>
           <a:lstStyle/>
           <a:p>
-            <a:endParaRPr lang="en-US"/>
+            <a:r>
+              <a:rPr lang="en-US" dirty="0"/>
+              <a:t>MAC Spoofing</a:t>
+            </a:r>
+          </a:p>
+          <a:p>
+            <a:r>
+              <a:rPr lang="en-US" dirty="0"/>
+              <a:t>ARP Spoofing</a:t>
+            </a:r>
+          </a:p>
+          <a:p>
+            <a:r>
+              <a:rPr lang="en-US" dirty="0"/>
+              <a:t>DNS Spoofing</a:t>
+            </a:r>
           </a:p>
         </p:txBody>
       </p:sp>
@@ -4333,10 +4568,52 @@
           <a:bodyPr/>
           <a:lstStyle/>
           <a:p>
-            <a:endParaRPr lang="en-US"/>
-          </a:p>
-        </p:txBody>
-      </p:sp>
+            <a:r>
+              <a:rPr lang="en-US" dirty="0"/>
+              <a:t>A network switch connects devices within a network usually using LANs to forward data packets to and from those devices.</a:t>
+            </a:r>
+          </a:p>
+          <a:p>
+            <a:r>
+              <a:rPr lang="en-US" dirty="0"/>
+              <a:t>A switch only sends data to a single device it is intended for which could be another switch, a router, or a computer.</a:t>
+            </a:r>
+          </a:p>
+          <a:p>
+            <a:endParaRPr lang="en-US" dirty="0"/>
+          </a:p>
+        </p:txBody>
+      </p:sp>
+      <p:pic>
+        <p:nvPicPr>
+          <p:cNvPr id="5" name="Picture 4">
+            <a:extLst>
+              <a:ext uri="{FF2B5EF4-FFF2-40B4-BE49-F238E27FC236}">
+                <a16:creationId xmlns:a16="http://schemas.microsoft.com/office/drawing/2014/main" id="{FE86C765-1CB0-4B23-85BD-988BBAC291B4}"/>
+              </a:ext>
+            </a:extLst>
+          </p:cNvPr>
+          <p:cNvPicPr>
+            <a:picLocks noChangeAspect="1"/>
+          </p:cNvPicPr>
+          <p:nvPr/>
+        </p:nvPicPr>
+        <p:blipFill>
+          <a:blip r:embed="rId2"/>
+          <a:stretch>
+            <a:fillRect/>
+          </a:stretch>
+        </p:blipFill>
+        <p:spPr>
+          <a:xfrm>
+            <a:off x="838200" y="3569806"/>
+            <a:ext cx="8860971" cy="3060353"/>
+          </a:xfrm>
+          <a:prstGeom prst="rect">
+            <a:avLst/>
+          </a:prstGeom>
+        </p:spPr>
+      </p:pic>
     </p:spTree>
     <p:extLst>
       <p:ext uri="{BB962C8B-B14F-4D97-AF65-F5344CB8AC3E}">
@@ -4372,7 +4649,7 @@
           <p:cNvPr id="2" name="Title 1">
             <a:extLst>
               <a:ext uri="{FF2B5EF4-FFF2-40B4-BE49-F238E27FC236}">
-                <a16:creationId xmlns:a16="http://schemas.microsoft.com/office/drawing/2014/main" id="{F0130E11-50DB-46FB-A608-F55AB687A332}"/>
+                <a16:creationId xmlns:a16="http://schemas.microsoft.com/office/drawing/2014/main" id="{1C24660E-10BF-4799-AAB7-BAF2EA9DDA0C}"/>
               </a:ext>
             </a:extLst>
           </p:cNvPr>
@@ -4390,7 +4667,7 @@
           <a:p>
             <a:r>
               <a:rPr lang="en-US" dirty="0"/>
-              <a:t>How network switches work</a:t>
+              <a:t>Different types of network switches</a:t>
             </a:r>
           </a:p>
         </p:txBody>
@@ -4400,7 +4677,7 @@
           <p:cNvPr id="3" name="Content Placeholder 2">
             <a:extLst>
               <a:ext uri="{FF2B5EF4-FFF2-40B4-BE49-F238E27FC236}">
-                <a16:creationId xmlns:a16="http://schemas.microsoft.com/office/drawing/2014/main" id="{BA5370F3-B58D-493D-9DA5-780F99C7149C}"/>
+                <a16:creationId xmlns:a16="http://schemas.microsoft.com/office/drawing/2014/main" id="{AA28DDEC-9E8B-49CE-8B08-3D1AE427981F}"/>
               </a:ext>
             </a:extLst>
           </p:cNvPr>
@@ -4416,14 +4693,73 @@
           <a:bodyPr/>
           <a:lstStyle/>
           <a:p>
-            <a:endParaRPr lang="en-US"/>
-          </a:p>
-        </p:txBody>
-      </p:sp>
+            <a:r>
+              <a:rPr lang="en-US" dirty="0"/>
+              <a:t>Managed switches</a:t>
+            </a:r>
+          </a:p>
+          <a:p>
+            <a:pPr lvl="1"/>
+            <a:r>
+              <a:rPr lang="en-US" dirty="0"/>
+              <a:t>Give you greater security and more features/flexibility because you can configure them to custom-fit a network giving greater control and better protection to your network.</a:t>
+            </a:r>
+          </a:p>
+          <a:p>
+            <a:r>
+              <a:rPr lang="en-US" dirty="0"/>
+              <a:t>Unmanaged switches</a:t>
+            </a:r>
+          </a:p>
+          <a:p>
+            <a:pPr lvl="1"/>
+            <a:r>
+              <a:rPr lang="en-US" dirty="0"/>
+              <a:t>Designed to be plug and play. There is no configuring required and typically used for basic connectivity. They are often used in home networks or wherever a few more ethernet ports are needed such as an office or a lab.</a:t>
+            </a:r>
+          </a:p>
+        </p:txBody>
+      </p:sp>
+      <p:pic>
+        <p:nvPicPr>
+          <p:cNvPr id="5" name="Picture 4" descr="Diagram&#10;&#10;Description automatically generated">
+            <a:extLst>
+              <a:ext uri="{FF2B5EF4-FFF2-40B4-BE49-F238E27FC236}">
+                <a16:creationId xmlns:a16="http://schemas.microsoft.com/office/drawing/2014/main" id="{A5512A6D-92BE-4371-9186-61138528160F}"/>
+              </a:ext>
+            </a:extLst>
+          </p:cNvPr>
+          <p:cNvPicPr>
+            <a:picLocks noChangeAspect="1"/>
+          </p:cNvPicPr>
+          <p:nvPr/>
+        </p:nvPicPr>
+        <p:blipFill>
+          <a:blip r:embed="rId2">
+            <a:extLst>
+              <a:ext uri="{28A0092B-C50C-407E-A947-70E740481C1C}">
+                <a14:useLocalDpi xmlns:a14="http://schemas.microsoft.com/office/drawing/2010/main" val="0"/>
+              </a:ext>
+            </a:extLst>
+          </a:blip>
+          <a:stretch>
+            <a:fillRect/>
+          </a:stretch>
+        </p:blipFill>
+        <p:spPr>
+          <a:xfrm>
+            <a:off x="8605157" y="4816819"/>
+            <a:ext cx="3282043" cy="2041181"/>
+          </a:xfrm>
+          <a:prstGeom prst="rect">
+            <a:avLst/>
+          </a:prstGeom>
+        </p:spPr>
+      </p:pic>
     </p:spTree>
     <p:extLst>
       <p:ext uri="{BB962C8B-B14F-4D97-AF65-F5344CB8AC3E}">
-        <p14:creationId xmlns:p14="http://schemas.microsoft.com/office/powerpoint/2010/main" val="4285590524"/>
+        <p14:creationId xmlns:p14="http://schemas.microsoft.com/office/powerpoint/2010/main" val="1370655350"/>
       </p:ext>
     </p:extLst>
   </p:cSld>
@@ -4455,7 +4791,7 @@
           <p:cNvPr id="2" name="Title 1">
             <a:extLst>
               <a:ext uri="{FF2B5EF4-FFF2-40B4-BE49-F238E27FC236}">
-                <a16:creationId xmlns:a16="http://schemas.microsoft.com/office/drawing/2014/main" id="{1C24660E-10BF-4799-AAB7-BAF2EA9DDA0C}"/>
+                <a16:creationId xmlns:a16="http://schemas.microsoft.com/office/drawing/2014/main" id="{F0130E11-50DB-46FB-A608-F55AB687A332}"/>
               </a:ext>
             </a:extLst>
           </p:cNvPr>
@@ -4473,7 +4809,7 @@
           <a:p>
             <a:r>
               <a:rPr lang="en-US" dirty="0"/>
-              <a:t>Different types of network switches</a:t>
+              <a:t>How network switches work</a:t>
             </a:r>
           </a:p>
         </p:txBody>
@@ -4483,7 +4819,7 @@
           <p:cNvPr id="3" name="Content Placeholder 2">
             <a:extLst>
               <a:ext uri="{FF2B5EF4-FFF2-40B4-BE49-F238E27FC236}">
-                <a16:creationId xmlns:a16="http://schemas.microsoft.com/office/drawing/2014/main" id="{AA28DDEC-9E8B-49CE-8B08-3D1AE427981F}"/>
+                <a16:creationId xmlns:a16="http://schemas.microsoft.com/office/drawing/2014/main" id="{BA5370F3-B58D-493D-9DA5-780F99C7149C}"/>
               </a:ext>
             </a:extLst>
           </p:cNvPr>
@@ -4499,14 +4835,41 @@
           <a:bodyPr/>
           <a:lstStyle/>
           <a:p>
-            <a:endParaRPr lang="en-US"/>
+            <a:r>
+              <a:rPr lang="en-US" dirty="0"/>
+              <a:t>Switches are key implementations within a network they connect multiple devices in the network together. </a:t>
+            </a:r>
+          </a:p>
+          <a:p>
+            <a:r>
+              <a:rPr lang="en-US" dirty="0"/>
+              <a:t>They are usually found within the second layer (link layer)</a:t>
+            </a:r>
+          </a:p>
+          <a:p>
+            <a:r>
+              <a:rPr lang="en-US" dirty="0"/>
+              <a:t>Switches can determine how to send specific data to specific devices by using MAC addresses.</a:t>
+            </a:r>
+          </a:p>
+          <a:p>
+            <a:r>
+              <a:rPr lang="en-US" dirty="0"/>
+              <a:t>Switches within the network are linked to devices using ethernet cables.</a:t>
+            </a:r>
+          </a:p>
+          <a:p>
+            <a:r>
+              <a:rPr lang="en-US" dirty="0"/>
+              <a:t>Switches also use packet segmentation in order to reduce collisions.</a:t>
+            </a:r>
           </a:p>
         </p:txBody>
       </p:sp>
     </p:spTree>
     <p:extLst>
       <p:ext uri="{BB962C8B-B14F-4D97-AF65-F5344CB8AC3E}">
-        <p14:creationId xmlns:p14="http://schemas.microsoft.com/office/powerpoint/2010/main" val="1370655350"/>
+        <p14:creationId xmlns:p14="http://schemas.microsoft.com/office/powerpoint/2010/main" val="4285590524"/>
       </p:ext>
     </p:extLst>
   </p:cSld>
@@ -4579,10 +4942,71 @@
         </p:nvSpPr>
         <p:spPr/>
         <p:txBody>
-          <a:bodyPr/>
-          <a:lstStyle/>
-          <a:p>
-            <a:endParaRPr lang="en-US"/>
+          <a:bodyPr>
+            <a:normAutofit lnSpcReduction="10000"/>
+          </a:bodyPr>
+          <a:lstStyle/>
+          <a:p>
+            <a:r>
+              <a:rPr lang="en-US" dirty="0"/>
+              <a:t>There are many different types of attacks within network switches since their security measures differ between the different switches (unmanaged and managed).</a:t>
+            </a:r>
+          </a:p>
+          <a:p>
+            <a:r>
+              <a:rPr lang="en-US" dirty="0"/>
+              <a:t>The different attacks that take place on network switches on a regular basis are.</a:t>
+            </a:r>
+          </a:p>
+          <a:p>
+            <a:pPr lvl="1"/>
+            <a:r>
+              <a:rPr lang="en-US" dirty="0"/>
+              <a:t>ARP Spoofing</a:t>
+            </a:r>
+          </a:p>
+          <a:p>
+            <a:pPr lvl="1"/>
+            <a:r>
+              <a:rPr lang="en-US" dirty="0"/>
+              <a:t>Spanning Tree Protocol(STP) Attack</a:t>
+            </a:r>
+          </a:p>
+          <a:p>
+            <a:pPr lvl="1"/>
+            <a:r>
+              <a:rPr lang="en-US" dirty="0"/>
+              <a:t>MAC Flooding</a:t>
+            </a:r>
+          </a:p>
+          <a:p>
+            <a:pPr lvl="1"/>
+            <a:r>
+              <a:rPr lang="en-US" dirty="0"/>
+              <a:t>DHCP Server Spoofing</a:t>
+            </a:r>
+          </a:p>
+          <a:p>
+            <a:pPr lvl="1"/>
+            <a:r>
+              <a:rPr lang="en-US" dirty="0"/>
+              <a:t>MAC Spoofing</a:t>
+            </a:r>
+          </a:p>
+          <a:p>
+            <a:pPr lvl="1"/>
+            <a:r>
+              <a:rPr lang="en-US" dirty="0"/>
+              <a:t>VLAN Spoofing</a:t>
+            </a:r>
+          </a:p>
+          <a:p>
+            <a:pPr lvl="1"/>
+            <a:endParaRPr lang="en-US" dirty="0"/>
+          </a:p>
+          <a:p>
+            <a:pPr lvl="1"/>
+            <a:endParaRPr lang="en-US" dirty="0"/>
           </a:p>
         </p:txBody>
       </p:sp>
@@ -4665,10 +5089,78 @@
           <a:bodyPr/>
           <a:lstStyle/>
           <a:p>
-            <a:endParaRPr lang="en-US"/>
-          </a:p>
-        </p:txBody>
-      </p:sp>
+            <a:r>
+              <a:rPr lang="en-US" dirty="0"/>
+              <a:t>With ARP spoofing the attacker sniffs and listens for ARP requests and answers them.</a:t>
+            </a:r>
+          </a:p>
+          <a:p>
+            <a:r>
+              <a:rPr lang="en-US" dirty="0"/>
+              <a:t>They answer the requests by giving its IP address as the default gateway to the client.</a:t>
+            </a:r>
+          </a:p>
+          <a:p>
+            <a:r>
+              <a:rPr lang="en-US" dirty="0"/>
+              <a:t>This makes the attacker a man in the middle. </a:t>
+            </a:r>
+          </a:p>
+          <a:p>
+            <a:pPr marL="0" indent="0">
+              <a:buNone/>
+            </a:pPr>
+            <a:endParaRPr lang="en-US" dirty="0"/>
+          </a:p>
+        </p:txBody>
+      </p:sp>
+      <p:pic>
+        <p:nvPicPr>
+          <p:cNvPr id="4098" name="Picture 2" descr="Everything You Need to Know About ARP Spoofing - Hashed Out by The SSL  Store™">
+            <a:extLst>
+              <a:ext uri="{FF2B5EF4-FFF2-40B4-BE49-F238E27FC236}">
+                <a16:creationId xmlns:a16="http://schemas.microsoft.com/office/drawing/2014/main" id="{45678E59-0323-4DB7-B958-4037E22993DE}"/>
+              </a:ext>
+            </a:extLst>
+          </p:cNvPr>
+          <p:cNvPicPr>
+            <a:picLocks noChangeAspect="1" noChangeArrowheads="1"/>
+          </p:cNvPicPr>
+          <p:nvPr/>
+        </p:nvPicPr>
+        <p:blipFill>
+          <a:blip r:embed="rId2">
+            <a:extLst>
+              <a:ext uri="{28A0092B-C50C-407E-A947-70E740481C1C}">
+                <a14:useLocalDpi xmlns:a14="http://schemas.microsoft.com/office/drawing/2010/main" val="0"/>
+              </a:ext>
+            </a:extLst>
+          </a:blip>
+          <a:srcRect/>
+          <a:stretch>
+            <a:fillRect/>
+          </a:stretch>
+        </p:blipFill>
+        <p:spPr bwMode="auto">
+          <a:xfrm>
+            <a:off x="3592286" y="4275076"/>
+            <a:ext cx="4446814" cy="2430070"/>
+          </a:xfrm>
+          <a:prstGeom prst="rect">
+            <a:avLst/>
+          </a:prstGeom>
+          <a:noFill/>
+          <a:extLst>
+            <a:ext uri="{909E8E84-426E-40DD-AFC4-6F175D3DCCD1}">
+              <a14:hiddenFill xmlns:a14="http://schemas.microsoft.com/office/drawing/2010/main">
+                <a:solidFill>
+                  <a:srgbClr val="FFFFFF"/>
+                </a:solidFill>
+              </a14:hiddenFill>
+            </a:ext>
+          </a:extLst>
+        </p:spPr>
+      </p:pic>
     </p:spTree>
     <p:extLst>
       <p:ext uri="{BB962C8B-B14F-4D97-AF65-F5344CB8AC3E}">
@@ -4720,32 +5212,35 @@
           <a:bodyPr/>
           <a:lstStyle/>
           <a:p>
+            <a:r>
+              <a:rPr lang="en-US" dirty="0"/>
+              <a:t>ARP Spoofing Prevention</a:t>
+            </a:r>
+          </a:p>
+        </p:txBody>
+      </p:sp>
+      <p:sp>
+        <p:nvSpPr>
+          <p:cNvPr id="3" name="Content Placeholder 2">
+            <a:extLst>
+              <a:ext uri="{FF2B5EF4-FFF2-40B4-BE49-F238E27FC236}">
+                <a16:creationId xmlns:a16="http://schemas.microsoft.com/office/drawing/2014/main" id="{6F5A7C8A-689C-4FF2-962B-2CAB96928EF1}"/>
+              </a:ext>
+            </a:extLst>
+          </p:cNvPr>
+          <p:cNvSpPr>
+            <a:spLocks noGrp="1"/>
+          </p:cNvSpPr>
+          <p:nvPr>
+            <p:ph idx="1"/>
+          </p:nvPr>
+        </p:nvSpPr>
+        <p:spPr/>
+        <p:txBody>
+          <a:bodyPr/>
+          <a:lstStyle/>
+          <a:p>
             <a:endParaRPr lang="en-US" dirty="0"/>
-          </a:p>
-        </p:txBody>
-      </p:sp>
-      <p:sp>
-        <p:nvSpPr>
-          <p:cNvPr id="3" name="Content Placeholder 2">
-            <a:extLst>
-              <a:ext uri="{FF2B5EF4-FFF2-40B4-BE49-F238E27FC236}">
-                <a16:creationId xmlns:a16="http://schemas.microsoft.com/office/drawing/2014/main" id="{6F5A7C8A-689C-4FF2-962B-2CAB96928EF1}"/>
-              </a:ext>
-            </a:extLst>
-          </p:cNvPr>
-          <p:cNvSpPr>
-            <a:spLocks noGrp="1"/>
-          </p:cNvSpPr>
-          <p:nvPr>
-            <p:ph idx="1"/>
-          </p:nvPr>
-        </p:nvSpPr>
-        <p:spPr/>
-        <p:txBody>
-          <a:bodyPr/>
-          <a:lstStyle/>
-          <a:p>
-            <a:endParaRPr lang="en-US"/>
           </a:p>
         </p:txBody>
       </p:sp>
